--- a/Study_Keras/多層パーセプトロンの模式図.pptx
+++ b/Study_Keras/多層パーセプトロンの模式図.pptx
@@ -3642,8 +3642,8 @@
               </a:p>
             </p:txBody>
           </p:sp>
-          <mc:AlternateContent xmlns:mc="http://schemas.openxmlformats.org/markup-compatibility/2006">
-            <mc:Choice xmlns:a14="http://schemas.microsoft.com/office/drawing/2010/main" Requires="a14">
+          <mc:AlternateContent xmlns:mc="http://schemas.openxmlformats.org/markup-compatibility/2006" xmlns:a14="http://schemas.microsoft.com/office/drawing/2010/main">
+            <mc:Choice Requires="a14">
               <p:sp>
                 <p:nvSpPr>
                   <p:cNvPr id="38" name="テキスト ボックス 37"/>
@@ -3666,6 +3666,7 @@
                   </a:bodyPr>
                   <a:lstStyle/>
                   <a:p>
+                    <a:pPr/>
                     <a14:m>
                       <m:oMathPara xmlns:m="http://schemas.openxmlformats.org/officeDocument/2006/math">
                         <m:oMathParaPr>
@@ -3674,7 +3675,7 @@
                         <m:oMath xmlns:m="http://schemas.openxmlformats.org/officeDocument/2006/math">
                           <m:r>
                             <a:rPr kumimoji="1" lang="en-US" altLang="ja-JP" b="0" i="1" smtClean="0">
-                              <a:latin typeface="+mj-lt"/>
+                              <a:latin typeface="Cambria Math"/>
                             </a:rPr>
                             <m:t>𝑓</m:t>
                           </m:r>
@@ -3688,7 +3689,7 @@
                 </p:txBody>
               </p:sp>
             </mc:Choice>
-            <mc:Fallback>
+            <mc:Fallback xmlns="">
               <p:sp>
                 <p:nvSpPr>
                   <p:cNvPr id="38" name="テキスト ボックス 37"/>
@@ -3775,8 +3776,8 @@
               </a:p>
             </p:txBody>
           </p:sp>
-          <mc:AlternateContent xmlns:mc="http://schemas.openxmlformats.org/markup-compatibility/2006">
-            <mc:Choice xmlns:a14="http://schemas.microsoft.com/office/drawing/2010/main" Requires="a14">
+          <mc:AlternateContent xmlns:mc="http://schemas.openxmlformats.org/markup-compatibility/2006" xmlns:a14="http://schemas.microsoft.com/office/drawing/2010/main">
+            <mc:Choice Requires="a14">
               <p:sp>
                 <p:nvSpPr>
                   <p:cNvPr id="41" name="テキスト ボックス 40"/>
@@ -3799,6 +3800,7 @@
                   </a:bodyPr>
                   <a:lstStyle/>
                   <a:p>
+                    <a:pPr/>
                     <a14:m>
                       <m:oMathPara xmlns:m="http://schemas.openxmlformats.org/officeDocument/2006/math">
                         <m:oMathParaPr>
@@ -3819,7 +3821,7 @@
                 </p:txBody>
               </p:sp>
             </mc:Choice>
-            <mc:Fallback>
+            <mc:Fallback xmlns="">
               <p:sp>
                 <p:nvSpPr>
                   <p:cNvPr id="41" name="テキスト ボックス 40"/>
@@ -3956,8 +3958,8 @@
               </a:p>
             </p:txBody>
           </p:sp>
-          <mc:AlternateContent xmlns:mc="http://schemas.openxmlformats.org/markup-compatibility/2006">
-            <mc:Choice xmlns:a14="http://schemas.microsoft.com/office/drawing/2010/main" Requires="a14">
+          <mc:AlternateContent xmlns:mc="http://schemas.openxmlformats.org/markup-compatibility/2006" xmlns:a14="http://schemas.microsoft.com/office/drawing/2010/main">
+            <mc:Choice Requires="a14">
               <p:sp>
                 <p:nvSpPr>
                   <p:cNvPr id="70" name="テキスト ボックス 69"/>
@@ -3980,6 +3982,7 @@
                   </a:bodyPr>
                   <a:lstStyle/>
                   <a:p>
+                    <a:pPr/>
                     <a14:m>
                       <m:oMathPara xmlns:m="http://schemas.openxmlformats.org/officeDocument/2006/math">
                         <m:oMathParaPr>
@@ -3988,7 +3991,7 @@
                         <m:oMath xmlns:m="http://schemas.openxmlformats.org/officeDocument/2006/math">
                           <m:r>
                             <a:rPr kumimoji="1" lang="en-US" altLang="ja-JP" b="0" i="1" smtClean="0">
-                              <a:latin typeface="+mj-lt"/>
+                              <a:latin typeface="Cambria Math"/>
                             </a:rPr>
                             <m:t>𝑓</m:t>
                           </m:r>
@@ -4002,7 +4005,7 @@
                 </p:txBody>
               </p:sp>
             </mc:Choice>
-            <mc:Fallback>
+            <mc:Fallback xmlns="">
               <p:sp>
                 <p:nvSpPr>
                   <p:cNvPr id="70" name="テキスト ボックス 69"/>
@@ -4089,8 +4092,8 @@
               </a:p>
             </p:txBody>
           </p:sp>
-          <mc:AlternateContent xmlns:mc="http://schemas.openxmlformats.org/markup-compatibility/2006">
-            <mc:Choice xmlns:a14="http://schemas.microsoft.com/office/drawing/2010/main" Requires="a14">
+          <mc:AlternateContent xmlns:mc="http://schemas.openxmlformats.org/markup-compatibility/2006" xmlns:a14="http://schemas.microsoft.com/office/drawing/2010/main">
+            <mc:Choice Requires="a14">
               <p:sp>
                 <p:nvSpPr>
                   <p:cNvPr id="72" name="テキスト ボックス 71"/>
@@ -4113,6 +4116,7 @@
                   </a:bodyPr>
                   <a:lstStyle/>
                   <a:p>
+                    <a:pPr/>
                     <a14:m>
                       <m:oMathPara xmlns:m="http://schemas.openxmlformats.org/officeDocument/2006/math">
                         <m:oMathParaPr>
@@ -4133,7 +4137,7 @@
                 </p:txBody>
               </p:sp>
             </mc:Choice>
-            <mc:Fallback>
+            <mc:Fallback xmlns="">
               <p:sp>
                 <p:nvSpPr>
                   <p:cNvPr id="72" name="テキスト ボックス 71"/>
@@ -4270,8 +4274,8 @@
               </a:p>
             </p:txBody>
           </p:sp>
-          <mc:AlternateContent xmlns:mc="http://schemas.openxmlformats.org/markup-compatibility/2006">
-            <mc:Choice xmlns:a14="http://schemas.microsoft.com/office/drawing/2010/main" Requires="a14">
+          <mc:AlternateContent xmlns:mc="http://schemas.openxmlformats.org/markup-compatibility/2006" xmlns:a14="http://schemas.microsoft.com/office/drawing/2010/main">
+            <mc:Choice Requires="a14">
               <p:sp>
                 <p:nvSpPr>
                   <p:cNvPr id="76" name="テキスト ボックス 75"/>
@@ -4294,6 +4298,7 @@
                   </a:bodyPr>
                   <a:lstStyle/>
                   <a:p>
+                    <a:pPr/>
                     <a14:m>
                       <m:oMathPara xmlns:m="http://schemas.openxmlformats.org/officeDocument/2006/math">
                         <m:oMathParaPr>
@@ -4302,7 +4307,7 @@
                         <m:oMath xmlns:m="http://schemas.openxmlformats.org/officeDocument/2006/math">
                           <m:r>
                             <a:rPr kumimoji="1" lang="en-US" altLang="ja-JP" b="0" i="1" smtClean="0">
-                              <a:latin typeface="+mj-lt"/>
+                              <a:latin typeface="Cambria Math"/>
                             </a:rPr>
                             <m:t>𝑓</m:t>
                           </m:r>
@@ -4316,7 +4321,7 @@
                 </p:txBody>
               </p:sp>
             </mc:Choice>
-            <mc:Fallback>
+            <mc:Fallback xmlns="">
               <p:sp>
                 <p:nvSpPr>
                   <p:cNvPr id="76" name="テキスト ボックス 75"/>
@@ -4403,8 +4408,8 @@
               </a:p>
             </p:txBody>
           </p:sp>
-          <mc:AlternateContent xmlns:mc="http://schemas.openxmlformats.org/markup-compatibility/2006">
-            <mc:Choice xmlns:a14="http://schemas.microsoft.com/office/drawing/2010/main" Requires="a14">
+          <mc:AlternateContent xmlns:mc="http://schemas.openxmlformats.org/markup-compatibility/2006" xmlns:a14="http://schemas.microsoft.com/office/drawing/2010/main">
+            <mc:Choice Requires="a14">
               <p:sp>
                 <p:nvSpPr>
                   <p:cNvPr id="78" name="テキスト ボックス 77"/>
@@ -4427,6 +4432,7 @@
                   </a:bodyPr>
                   <a:lstStyle/>
                   <a:p>
+                    <a:pPr/>
                     <a14:m>
                       <m:oMathPara xmlns:m="http://schemas.openxmlformats.org/officeDocument/2006/math">
                         <m:oMathParaPr>
@@ -4447,7 +4453,7 @@
                 </p:txBody>
               </p:sp>
             </mc:Choice>
-            <mc:Fallback>
+            <mc:Fallback xmlns="">
               <p:sp>
                 <p:nvSpPr>
                   <p:cNvPr id="78" name="テキスト ボックス 77"/>
@@ -4584,8 +4590,8 @@
               </a:p>
             </p:txBody>
           </p:sp>
-          <mc:AlternateContent xmlns:mc="http://schemas.openxmlformats.org/markup-compatibility/2006">
-            <mc:Choice xmlns:a14="http://schemas.microsoft.com/office/drawing/2010/main" Requires="a14">
+          <mc:AlternateContent xmlns:mc="http://schemas.openxmlformats.org/markup-compatibility/2006" xmlns:a14="http://schemas.microsoft.com/office/drawing/2010/main">
+            <mc:Choice Requires="a14">
               <p:sp>
                 <p:nvSpPr>
                   <p:cNvPr id="82" name="テキスト ボックス 81"/>
@@ -4608,6 +4614,7 @@
                   </a:bodyPr>
                   <a:lstStyle/>
                   <a:p>
+                    <a:pPr/>
                     <a14:m>
                       <m:oMathPara xmlns:m="http://schemas.openxmlformats.org/officeDocument/2006/math">
                         <m:oMathParaPr>
@@ -4616,7 +4623,7 @@
                         <m:oMath xmlns:m="http://schemas.openxmlformats.org/officeDocument/2006/math">
                           <m:r>
                             <a:rPr kumimoji="1" lang="en-US" altLang="ja-JP" b="0" i="1" smtClean="0">
-                              <a:latin typeface="+mj-lt"/>
+                              <a:latin typeface="Cambria Math"/>
                             </a:rPr>
                             <m:t>𝑓</m:t>
                           </m:r>
@@ -4630,7 +4637,7 @@
                 </p:txBody>
               </p:sp>
             </mc:Choice>
-            <mc:Fallback>
+            <mc:Fallback xmlns="">
               <p:sp>
                 <p:nvSpPr>
                   <p:cNvPr id="82" name="テキスト ボックス 81"/>
@@ -4717,8 +4724,8 @@
               </a:p>
             </p:txBody>
           </p:sp>
-          <mc:AlternateContent xmlns:mc="http://schemas.openxmlformats.org/markup-compatibility/2006">
-            <mc:Choice xmlns:a14="http://schemas.microsoft.com/office/drawing/2010/main" Requires="a14">
+          <mc:AlternateContent xmlns:mc="http://schemas.openxmlformats.org/markup-compatibility/2006" xmlns:a14="http://schemas.microsoft.com/office/drawing/2010/main">
+            <mc:Choice Requires="a14">
               <p:sp>
                 <p:nvSpPr>
                   <p:cNvPr id="84" name="テキスト ボックス 83"/>
@@ -4741,6 +4748,7 @@
                   </a:bodyPr>
                   <a:lstStyle/>
                   <a:p>
+                    <a:pPr/>
                     <a14:m>
                       <m:oMathPara xmlns:m="http://schemas.openxmlformats.org/officeDocument/2006/math">
                         <m:oMathParaPr>
@@ -4761,7 +4769,7 @@
                 </p:txBody>
               </p:sp>
             </mc:Choice>
-            <mc:Fallback>
+            <mc:Fallback xmlns="">
               <p:sp>
                 <p:nvSpPr>
                   <p:cNvPr id="84" name="テキスト ボックス 83"/>
@@ -4898,8 +4906,8 @@
               </a:p>
             </p:txBody>
           </p:sp>
-          <mc:AlternateContent xmlns:mc="http://schemas.openxmlformats.org/markup-compatibility/2006">
-            <mc:Choice xmlns:a14="http://schemas.microsoft.com/office/drawing/2010/main" Requires="a14">
+          <mc:AlternateContent xmlns:mc="http://schemas.openxmlformats.org/markup-compatibility/2006" xmlns:a14="http://schemas.microsoft.com/office/drawing/2010/main">
+            <mc:Choice Requires="a14">
               <p:sp>
                 <p:nvSpPr>
                   <p:cNvPr id="88" name="テキスト ボックス 87"/>
@@ -4922,6 +4930,7 @@
                   </a:bodyPr>
                   <a:lstStyle/>
                   <a:p>
+                    <a:pPr/>
                     <a14:m>
                       <m:oMathPara xmlns:m="http://schemas.openxmlformats.org/officeDocument/2006/math">
                         <m:oMathParaPr>
@@ -4930,7 +4939,7 @@
                         <m:oMath xmlns:m="http://schemas.openxmlformats.org/officeDocument/2006/math">
                           <m:r>
                             <a:rPr kumimoji="1" lang="en-US" altLang="ja-JP" b="0" i="1" smtClean="0">
-                              <a:latin typeface="+mj-lt"/>
+                              <a:latin typeface="Cambria Math"/>
                             </a:rPr>
                             <m:t>𝑓</m:t>
                           </m:r>
@@ -4944,7 +4953,7 @@
                 </p:txBody>
               </p:sp>
             </mc:Choice>
-            <mc:Fallback>
+            <mc:Fallback xmlns="">
               <p:sp>
                 <p:nvSpPr>
                   <p:cNvPr id="88" name="テキスト ボックス 87"/>
@@ -5031,8 +5040,8 @@
               </a:p>
             </p:txBody>
           </p:sp>
-          <mc:AlternateContent xmlns:mc="http://schemas.openxmlformats.org/markup-compatibility/2006">
-            <mc:Choice xmlns:a14="http://schemas.microsoft.com/office/drawing/2010/main" Requires="a14">
+          <mc:AlternateContent xmlns:mc="http://schemas.openxmlformats.org/markup-compatibility/2006" xmlns:a14="http://schemas.microsoft.com/office/drawing/2010/main">
+            <mc:Choice Requires="a14">
               <p:sp>
                 <p:nvSpPr>
                   <p:cNvPr id="90" name="テキスト ボックス 89"/>
@@ -5055,6 +5064,7 @@
                   </a:bodyPr>
                   <a:lstStyle/>
                   <a:p>
+                    <a:pPr/>
                     <a14:m>
                       <m:oMathPara xmlns:m="http://schemas.openxmlformats.org/officeDocument/2006/math">
                         <m:oMathParaPr>
@@ -5075,7 +5085,7 @@
                 </p:txBody>
               </p:sp>
             </mc:Choice>
-            <mc:Fallback>
+            <mc:Fallback xmlns="">
               <p:sp>
                 <p:nvSpPr>
                   <p:cNvPr id="90" name="テキスト ボックス 89"/>
@@ -5212,8 +5222,8 @@
               </a:p>
             </p:txBody>
           </p:sp>
-          <mc:AlternateContent xmlns:mc="http://schemas.openxmlformats.org/markup-compatibility/2006">
-            <mc:Choice xmlns:a14="http://schemas.microsoft.com/office/drawing/2010/main" Requires="a14">
+          <mc:AlternateContent xmlns:mc="http://schemas.openxmlformats.org/markup-compatibility/2006" xmlns:a14="http://schemas.microsoft.com/office/drawing/2010/main">
+            <mc:Choice Requires="a14">
               <p:sp>
                 <p:nvSpPr>
                   <p:cNvPr id="94" name="テキスト ボックス 93"/>
@@ -5236,6 +5246,7 @@
                   </a:bodyPr>
                   <a:lstStyle/>
                   <a:p>
+                    <a:pPr/>
                     <a14:m>
                       <m:oMathPara xmlns:m="http://schemas.openxmlformats.org/officeDocument/2006/math">
                         <m:oMathParaPr>
@@ -5244,7 +5255,7 @@
                         <m:oMath xmlns:m="http://schemas.openxmlformats.org/officeDocument/2006/math">
                           <m:r>
                             <a:rPr kumimoji="1" lang="en-US" altLang="ja-JP" b="0" i="1" smtClean="0">
-                              <a:latin typeface="+mj-lt"/>
+                              <a:latin typeface="Cambria Math"/>
                             </a:rPr>
                             <m:t>𝑓</m:t>
                           </m:r>
@@ -5258,7 +5269,7 @@
                 </p:txBody>
               </p:sp>
             </mc:Choice>
-            <mc:Fallback>
+            <mc:Fallback xmlns="">
               <p:sp>
                 <p:nvSpPr>
                   <p:cNvPr id="94" name="テキスト ボックス 93"/>
@@ -5345,8 +5356,8 @@
               </a:p>
             </p:txBody>
           </p:sp>
-          <mc:AlternateContent xmlns:mc="http://schemas.openxmlformats.org/markup-compatibility/2006">
-            <mc:Choice xmlns:a14="http://schemas.microsoft.com/office/drawing/2010/main" Requires="a14">
+          <mc:AlternateContent xmlns:mc="http://schemas.openxmlformats.org/markup-compatibility/2006" xmlns:a14="http://schemas.microsoft.com/office/drawing/2010/main">
+            <mc:Choice Requires="a14">
               <p:sp>
                 <p:nvSpPr>
                   <p:cNvPr id="96" name="テキスト ボックス 95"/>
@@ -5369,6 +5380,7 @@
                   </a:bodyPr>
                   <a:lstStyle/>
                   <a:p>
+                    <a:pPr/>
                     <a14:m>
                       <m:oMathPara xmlns:m="http://schemas.openxmlformats.org/officeDocument/2006/math">
                         <m:oMathParaPr>
@@ -5389,7 +5401,7 @@
                 </p:txBody>
               </p:sp>
             </mc:Choice>
-            <mc:Fallback>
+            <mc:Fallback xmlns="">
               <p:sp>
                 <p:nvSpPr>
                   <p:cNvPr id="96" name="テキスト ボックス 95"/>
@@ -5526,8 +5538,8 @@
               </a:p>
             </p:txBody>
           </p:sp>
-          <mc:AlternateContent xmlns:mc="http://schemas.openxmlformats.org/markup-compatibility/2006">
-            <mc:Choice xmlns:a14="http://schemas.microsoft.com/office/drawing/2010/main" Requires="a14">
+          <mc:AlternateContent xmlns:mc="http://schemas.openxmlformats.org/markup-compatibility/2006" xmlns:a14="http://schemas.microsoft.com/office/drawing/2010/main">
+            <mc:Choice Requires="a14">
               <p:sp>
                 <p:nvSpPr>
                   <p:cNvPr id="100" name="テキスト ボックス 99"/>
@@ -5550,6 +5562,7 @@
                   </a:bodyPr>
                   <a:lstStyle/>
                   <a:p>
+                    <a:pPr/>
                     <a14:m>
                       <m:oMathPara xmlns:m="http://schemas.openxmlformats.org/officeDocument/2006/math">
                         <m:oMathParaPr>
@@ -5558,7 +5571,7 @@
                         <m:oMath xmlns:m="http://schemas.openxmlformats.org/officeDocument/2006/math">
                           <m:r>
                             <a:rPr kumimoji="1" lang="en-US" altLang="ja-JP" b="0" i="1" smtClean="0">
-                              <a:latin typeface="+mj-lt"/>
+                              <a:latin typeface="Cambria Math"/>
                             </a:rPr>
                             <m:t>𝑓</m:t>
                           </m:r>
@@ -5572,7 +5585,7 @@
                 </p:txBody>
               </p:sp>
             </mc:Choice>
-            <mc:Fallback>
+            <mc:Fallback xmlns="">
               <p:sp>
                 <p:nvSpPr>
                   <p:cNvPr id="100" name="テキスト ボックス 99"/>
@@ -5659,8 +5672,8 @@
               </a:p>
             </p:txBody>
           </p:sp>
-          <mc:AlternateContent xmlns:mc="http://schemas.openxmlformats.org/markup-compatibility/2006">
-            <mc:Choice xmlns:a14="http://schemas.microsoft.com/office/drawing/2010/main" Requires="a14">
+          <mc:AlternateContent xmlns:mc="http://schemas.openxmlformats.org/markup-compatibility/2006" xmlns:a14="http://schemas.microsoft.com/office/drawing/2010/main">
+            <mc:Choice Requires="a14">
               <p:sp>
                 <p:nvSpPr>
                   <p:cNvPr id="102" name="テキスト ボックス 101"/>
@@ -5683,6 +5696,7 @@
                   </a:bodyPr>
                   <a:lstStyle/>
                   <a:p>
+                    <a:pPr/>
                     <a14:m>
                       <m:oMathPara xmlns:m="http://schemas.openxmlformats.org/officeDocument/2006/math">
                         <m:oMathParaPr>
@@ -5703,7 +5717,7 @@
                 </p:txBody>
               </p:sp>
             </mc:Choice>
-            <mc:Fallback>
+            <mc:Fallback xmlns="">
               <p:sp>
                 <p:nvSpPr>
                   <p:cNvPr id="102" name="テキスト ボックス 101"/>
@@ -5840,8 +5854,8 @@
               </a:p>
             </p:txBody>
           </p:sp>
-          <mc:AlternateContent xmlns:mc="http://schemas.openxmlformats.org/markup-compatibility/2006">
-            <mc:Choice xmlns:a14="http://schemas.microsoft.com/office/drawing/2010/main" Requires="a14">
+          <mc:AlternateContent xmlns:mc="http://schemas.openxmlformats.org/markup-compatibility/2006" xmlns:a14="http://schemas.microsoft.com/office/drawing/2010/main">
+            <mc:Choice Requires="a14">
               <p:sp>
                 <p:nvSpPr>
                   <p:cNvPr id="106" name="テキスト ボックス 105"/>
@@ -5864,6 +5878,7 @@
                   </a:bodyPr>
                   <a:lstStyle/>
                   <a:p>
+                    <a:pPr/>
                     <a14:m>
                       <m:oMathPara xmlns:m="http://schemas.openxmlformats.org/officeDocument/2006/math">
                         <m:oMathParaPr>
@@ -5872,7 +5887,7 @@
                         <m:oMath xmlns:m="http://schemas.openxmlformats.org/officeDocument/2006/math">
                           <m:r>
                             <a:rPr kumimoji="1" lang="en-US" altLang="ja-JP" b="0" i="1" smtClean="0">
-                              <a:latin typeface="+mj-lt"/>
+                              <a:latin typeface="Cambria Math"/>
                             </a:rPr>
                             <m:t>𝑓</m:t>
                           </m:r>
@@ -5886,7 +5901,7 @@
                 </p:txBody>
               </p:sp>
             </mc:Choice>
-            <mc:Fallback>
+            <mc:Fallback xmlns="">
               <p:sp>
                 <p:nvSpPr>
                   <p:cNvPr id="106" name="テキスト ボックス 105"/>
@@ -5973,8 +5988,8 @@
               </a:p>
             </p:txBody>
           </p:sp>
-          <mc:AlternateContent xmlns:mc="http://schemas.openxmlformats.org/markup-compatibility/2006">
-            <mc:Choice xmlns:a14="http://schemas.microsoft.com/office/drawing/2010/main" Requires="a14">
+          <mc:AlternateContent xmlns:mc="http://schemas.openxmlformats.org/markup-compatibility/2006" xmlns:a14="http://schemas.microsoft.com/office/drawing/2010/main">
+            <mc:Choice Requires="a14">
               <p:sp>
                 <p:nvSpPr>
                   <p:cNvPr id="108" name="テキスト ボックス 107"/>
@@ -5997,6 +6012,7 @@
                   </a:bodyPr>
                   <a:lstStyle/>
                   <a:p>
+                    <a:pPr/>
                     <a14:m>
                       <m:oMathPara xmlns:m="http://schemas.openxmlformats.org/officeDocument/2006/math">
                         <m:oMathParaPr>
@@ -6017,7 +6033,7 @@
                 </p:txBody>
               </p:sp>
             </mc:Choice>
-            <mc:Fallback>
+            <mc:Fallback xmlns="">
               <p:sp>
                 <p:nvSpPr>
                   <p:cNvPr id="108" name="テキスト ボックス 107"/>
@@ -6154,8 +6170,8 @@
               </a:p>
             </p:txBody>
           </p:sp>
-          <mc:AlternateContent xmlns:mc="http://schemas.openxmlformats.org/markup-compatibility/2006">
-            <mc:Choice xmlns:a14="http://schemas.microsoft.com/office/drawing/2010/main" Requires="a14">
+          <mc:AlternateContent xmlns:mc="http://schemas.openxmlformats.org/markup-compatibility/2006" xmlns:a14="http://schemas.microsoft.com/office/drawing/2010/main">
+            <mc:Choice Requires="a14">
               <p:sp>
                 <p:nvSpPr>
                   <p:cNvPr id="112" name="テキスト ボックス 111"/>
@@ -6178,6 +6194,7 @@
                   </a:bodyPr>
                   <a:lstStyle/>
                   <a:p>
+                    <a:pPr/>
                     <a14:m>
                       <m:oMathPara xmlns:m="http://schemas.openxmlformats.org/officeDocument/2006/math">
                         <m:oMathParaPr>
@@ -6186,7 +6203,7 @@
                         <m:oMath xmlns:m="http://schemas.openxmlformats.org/officeDocument/2006/math">
                           <m:r>
                             <a:rPr kumimoji="1" lang="en-US" altLang="ja-JP" b="0" i="1" smtClean="0">
-                              <a:latin typeface="+mj-lt"/>
+                              <a:latin typeface="Cambria Math"/>
                             </a:rPr>
                             <m:t>𝑓</m:t>
                           </m:r>
@@ -6200,7 +6217,7 @@
                 </p:txBody>
               </p:sp>
             </mc:Choice>
-            <mc:Fallback>
+            <mc:Fallback xmlns="">
               <p:sp>
                 <p:nvSpPr>
                   <p:cNvPr id="112" name="テキスト ボックス 111"/>
@@ -6287,8 +6304,8 @@
               </a:p>
             </p:txBody>
           </p:sp>
-          <mc:AlternateContent xmlns:mc="http://schemas.openxmlformats.org/markup-compatibility/2006">
-            <mc:Choice xmlns:a14="http://schemas.microsoft.com/office/drawing/2010/main" Requires="a14">
+          <mc:AlternateContent xmlns:mc="http://schemas.openxmlformats.org/markup-compatibility/2006" xmlns:a14="http://schemas.microsoft.com/office/drawing/2010/main">
+            <mc:Choice Requires="a14">
               <p:sp>
                 <p:nvSpPr>
                   <p:cNvPr id="114" name="テキスト ボックス 113"/>
@@ -6311,6 +6328,7 @@
                   </a:bodyPr>
                   <a:lstStyle/>
                   <a:p>
+                    <a:pPr/>
                     <a14:m>
                       <m:oMathPara xmlns:m="http://schemas.openxmlformats.org/officeDocument/2006/math">
                         <m:oMathParaPr>
@@ -6331,7 +6349,7 @@
                 </p:txBody>
               </p:sp>
             </mc:Choice>
-            <mc:Fallback>
+            <mc:Fallback xmlns="">
               <p:sp>
                 <p:nvSpPr>
                   <p:cNvPr id="114" name="テキスト ボックス 113"/>
@@ -6468,8 +6486,8 @@
               </a:p>
             </p:txBody>
           </p:sp>
-          <mc:AlternateContent xmlns:mc="http://schemas.openxmlformats.org/markup-compatibility/2006">
-            <mc:Choice xmlns:a14="http://schemas.microsoft.com/office/drawing/2010/main" Requires="a14">
+          <mc:AlternateContent xmlns:mc="http://schemas.openxmlformats.org/markup-compatibility/2006" xmlns:a14="http://schemas.microsoft.com/office/drawing/2010/main">
+            <mc:Choice Requires="a14">
               <p:sp>
                 <p:nvSpPr>
                   <p:cNvPr id="118" name="テキスト ボックス 117"/>
@@ -6492,6 +6510,7 @@
                   </a:bodyPr>
                   <a:lstStyle/>
                   <a:p>
+                    <a:pPr/>
                     <a14:m>
                       <m:oMathPara xmlns:m="http://schemas.openxmlformats.org/officeDocument/2006/math">
                         <m:oMathParaPr>
@@ -6500,7 +6519,7 @@
                         <m:oMath xmlns:m="http://schemas.openxmlformats.org/officeDocument/2006/math">
                           <m:r>
                             <a:rPr kumimoji="1" lang="en-US" altLang="ja-JP" b="0" i="1" smtClean="0">
-                              <a:latin typeface="+mj-lt"/>
+                              <a:latin typeface="Cambria Math"/>
                             </a:rPr>
                             <m:t>𝑓</m:t>
                           </m:r>
@@ -6514,7 +6533,7 @@
                 </p:txBody>
               </p:sp>
             </mc:Choice>
-            <mc:Fallback>
+            <mc:Fallback xmlns="">
               <p:sp>
                 <p:nvSpPr>
                   <p:cNvPr id="118" name="テキスト ボックス 117"/>
@@ -6601,8 +6620,8 @@
               </a:p>
             </p:txBody>
           </p:sp>
-          <mc:AlternateContent xmlns:mc="http://schemas.openxmlformats.org/markup-compatibility/2006">
-            <mc:Choice xmlns:a14="http://schemas.microsoft.com/office/drawing/2010/main" Requires="a14">
+          <mc:AlternateContent xmlns:mc="http://schemas.openxmlformats.org/markup-compatibility/2006" xmlns:a14="http://schemas.microsoft.com/office/drawing/2010/main">
+            <mc:Choice Requires="a14">
               <p:sp>
                 <p:nvSpPr>
                   <p:cNvPr id="120" name="テキスト ボックス 119"/>
@@ -6625,6 +6644,7 @@
                   </a:bodyPr>
                   <a:lstStyle/>
                   <a:p>
+                    <a:pPr/>
                     <a14:m>
                       <m:oMathPara xmlns:m="http://schemas.openxmlformats.org/officeDocument/2006/math">
                         <m:oMathParaPr>
@@ -6645,7 +6665,7 @@
                 </p:txBody>
               </p:sp>
             </mc:Choice>
-            <mc:Fallback>
+            <mc:Fallback xmlns="">
               <p:sp>
                 <p:nvSpPr>
                   <p:cNvPr id="120" name="テキスト ボックス 119"/>
@@ -7391,8 +7411,8 @@
           </a:fontRef>
         </p:style>
       </p:cxnSp>
-      <mc:AlternateContent xmlns:mc="http://schemas.openxmlformats.org/markup-compatibility/2006">
-        <mc:Choice xmlns:a14="http://schemas.microsoft.com/office/drawing/2010/main" Requires="a14">
+      <mc:AlternateContent xmlns:mc="http://schemas.openxmlformats.org/markup-compatibility/2006" xmlns:a14="http://schemas.microsoft.com/office/drawing/2010/main">
+        <mc:Choice Requires="a14">
           <p:sp>
             <p:nvSpPr>
               <p:cNvPr id="143" name="テキスト ボックス 142"/>
@@ -7415,6 +7435,7 @@
               </a:bodyPr>
               <a:lstStyle/>
               <a:p>
+                <a:pPr/>
                 <a14:m>
                   <m:oMathPara xmlns:m="http://schemas.openxmlformats.org/officeDocument/2006/math">
                     <m:oMathParaPr>
@@ -7423,7 +7444,7 @@
                     <m:oMath xmlns:m="http://schemas.openxmlformats.org/officeDocument/2006/math">
                       <m:r>
                         <a:rPr kumimoji="1" lang="en-US" altLang="ja-JP" b="0" i="1" smtClean="0">
-                          <a:latin typeface="+mj-lt"/>
+                          <a:latin typeface="Cambria Math"/>
                         </a:rPr>
                         <m:t>𝑓</m:t>
                       </m:r>
@@ -7437,7 +7458,7 @@
             </p:txBody>
           </p:sp>
         </mc:Choice>
-        <mc:Fallback>
+        <mc:Fallback xmlns="">
           <p:sp>
             <p:nvSpPr>
               <p:cNvPr id="143" name="テキスト ボックス 142"/>
@@ -7605,8 +7626,8 @@
           </a:fontRef>
         </p:style>
       </p:cxnSp>
-      <mc:AlternateContent xmlns:mc="http://schemas.openxmlformats.org/markup-compatibility/2006">
-        <mc:Choice xmlns:a14="http://schemas.microsoft.com/office/drawing/2010/main" Requires="a14">
+      <mc:AlternateContent xmlns:mc="http://schemas.openxmlformats.org/markup-compatibility/2006" xmlns:a14="http://schemas.microsoft.com/office/drawing/2010/main">
+        <mc:Choice Requires="a14">
           <p:sp>
             <p:nvSpPr>
               <p:cNvPr id="148" name="テキスト ボックス 147"/>
@@ -7629,6 +7650,7 @@
               </a:bodyPr>
               <a:lstStyle/>
               <a:p>
+                <a:pPr/>
                 <a14:m>
                   <m:oMathPara xmlns:m="http://schemas.openxmlformats.org/officeDocument/2006/math">
                     <m:oMathParaPr>
@@ -7637,7 +7659,7 @@
                     <m:oMath xmlns:m="http://schemas.openxmlformats.org/officeDocument/2006/math">
                       <m:r>
                         <a:rPr kumimoji="1" lang="en-US" altLang="ja-JP" b="0" i="1" smtClean="0">
-                          <a:latin typeface="+mj-lt"/>
+                          <a:latin typeface="Cambria Math"/>
                         </a:rPr>
                         <m:t>𝑓</m:t>
                       </m:r>
@@ -7651,7 +7673,7 @@
             </p:txBody>
           </p:sp>
         </mc:Choice>
-        <mc:Fallback>
+        <mc:Fallback xmlns="">
           <p:sp>
             <p:nvSpPr>
               <p:cNvPr id="148" name="テキスト ボックス 147"/>
@@ -7690,8 +7712,8 @@
           </p:sp>
         </mc:Fallback>
       </mc:AlternateContent>
-      <mc:AlternateContent xmlns:mc="http://schemas.openxmlformats.org/markup-compatibility/2006">
-        <mc:Choice xmlns:a14="http://schemas.microsoft.com/office/drawing/2010/main" Requires="a14">
+      <mc:AlternateContent xmlns:mc="http://schemas.openxmlformats.org/markup-compatibility/2006" xmlns:a14="http://schemas.microsoft.com/office/drawing/2010/main">
+        <mc:Choice Requires="a14">
           <p:sp>
             <p:nvSpPr>
               <p:cNvPr id="149" name="テキスト ボックス 148"/>
@@ -7714,6 +7736,7 @@
               </a:bodyPr>
               <a:lstStyle/>
               <a:p>
+                <a:pPr/>
                 <a14:m>
                   <m:oMathPara xmlns:m="http://schemas.openxmlformats.org/officeDocument/2006/math">
                     <m:oMathParaPr>
@@ -7734,7 +7757,7 @@
             </p:txBody>
           </p:sp>
         </mc:Choice>
-        <mc:Fallback>
+        <mc:Fallback xmlns="">
           <p:sp>
             <p:nvSpPr>
               <p:cNvPr id="149" name="テキスト ボックス 148"/>
@@ -7773,8 +7796,8 @@
           </p:sp>
         </mc:Fallback>
       </mc:AlternateContent>
-      <mc:AlternateContent xmlns:mc="http://schemas.openxmlformats.org/markup-compatibility/2006">
-        <mc:Choice xmlns:a14="http://schemas.microsoft.com/office/drawing/2010/main" Requires="a14">
+      <mc:AlternateContent xmlns:mc="http://schemas.openxmlformats.org/markup-compatibility/2006" xmlns:a14="http://schemas.microsoft.com/office/drawing/2010/main">
+        <mc:Choice Requires="a14">
           <p:sp>
             <p:nvSpPr>
               <p:cNvPr id="150" name="テキスト ボックス 149"/>
@@ -7797,6 +7820,7 @@
               </a:bodyPr>
               <a:lstStyle/>
               <a:p>
+                <a:pPr/>
                 <a14:m>
                   <m:oMathPara xmlns:m="http://schemas.openxmlformats.org/officeDocument/2006/math">
                     <m:oMathParaPr>
@@ -7817,7 +7841,7 @@
             </p:txBody>
           </p:sp>
         </mc:Choice>
-        <mc:Fallback>
+        <mc:Fallback xmlns="">
           <p:sp>
             <p:nvSpPr>
               <p:cNvPr id="150" name="テキスト ボックス 149"/>
